--- a/advance/Presentation1.pptx
+++ b/advance/Presentation1.pptx
@@ -104,6 +104,11 @@
       </a:defRPr>
     </a:lvl9pPr>
   </p:defaultTextStyle>
+  <p:extLst>
+    <p:ext uri="{EFAFB233-063F-42B5-8137-9DF3F51BA10A}">
+      <p15:sldGuideLst xmlns:p15="http://schemas.microsoft.com/office/powerpoint/2012/main"/>
+    </p:ext>
+  </p:extLst>
 </p:presentation>
 </file>
 
@@ -254,7 +259,7 @@
           <a:p>
             <a:fld id="{740880F7-4072-4663-8561-4E3674FB0505}" type="datetimeFigureOut">
               <a:rPr lang="en-US" smtClean="0"/>
-              <a:t>12/13/2021</a:t>
+              <a:t>12/23/2021</a:t>
             </a:fld>
             <a:endParaRPr lang="en-US"/>
           </a:p>
@@ -452,7 +457,7 @@
           <a:p>
             <a:fld id="{740880F7-4072-4663-8561-4E3674FB0505}" type="datetimeFigureOut">
               <a:rPr lang="en-US" smtClean="0"/>
-              <a:t>12/13/2021</a:t>
+              <a:t>12/23/2021</a:t>
             </a:fld>
             <a:endParaRPr lang="en-US"/>
           </a:p>
@@ -660,7 +665,7 @@
           <a:p>
             <a:fld id="{740880F7-4072-4663-8561-4E3674FB0505}" type="datetimeFigureOut">
               <a:rPr lang="en-US" smtClean="0"/>
-              <a:t>12/13/2021</a:t>
+              <a:t>12/23/2021</a:t>
             </a:fld>
             <a:endParaRPr lang="en-US"/>
           </a:p>
@@ -858,7 +863,7 @@
           <a:p>
             <a:fld id="{740880F7-4072-4663-8561-4E3674FB0505}" type="datetimeFigureOut">
               <a:rPr lang="en-US" smtClean="0"/>
-              <a:t>12/13/2021</a:t>
+              <a:t>12/23/2021</a:t>
             </a:fld>
             <a:endParaRPr lang="en-US"/>
           </a:p>
@@ -1133,7 +1138,7 @@
           <a:p>
             <a:fld id="{740880F7-4072-4663-8561-4E3674FB0505}" type="datetimeFigureOut">
               <a:rPr lang="en-US" smtClean="0"/>
-              <a:t>12/13/2021</a:t>
+              <a:t>12/23/2021</a:t>
             </a:fld>
             <a:endParaRPr lang="en-US"/>
           </a:p>
@@ -1398,7 +1403,7 @@
           <a:p>
             <a:fld id="{740880F7-4072-4663-8561-4E3674FB0505}" type="datetimeFigureOut">
               <a:rPr lang="en-US" smtClean="0"/>
-              <a:t>12/13/2021</a:t>
+              <a:t>12/23/2021</a:t>
             </a:fld>
             <a:endParaRPr lang="en-US"/>
           </a:p>
@@ -1810,7 +1815,7 @@
           <a:p>
             <a:fld id="{740880F7-4072-4663-8561-4E3674FB0505}" type="datetimeFigureOut">
               <a:rPr lang="en-US" smtClean="0"/>
-              <a:t>12/13/2021</a:t>
+              <a:t>12/23/2021</a:t>
             </a:fld>
             <a:endParaRPr lang="en-US"/>
           </a:p>
@@ -1951,7 +1956,7 @@
           <a:p>
             <a:fld id="{740880F7-4072-4663-8561-4E3674FB0505}" type="datetimeFigureOut">
               <a:rPr lang="en-US" smtClean="0"/>
-              <a:t>12/13/2021</a:t>
+              <a:t>12/23/2021</a:t>
             </a:fld>
             <a:endParaRPr lang="en-US"/>
           </a:p>
@@ -2064,7 +2069,7 @@
           <a:p>
             <a:fld id="{740880F7-4072-4663-8561-4E3674FB0505}" type="datetimeFigureOut">
               <a:rPr lang="en-US" smtClean="0"/>
-              <a:t>12/13/2021</a:t>
+              <a:t>12/23/2021</a:t>
             </a:fld>
             <a:endParaRPr lang="en-US"/>
           </a:p>
@@ -2375,7 +2380,7 @@
           <a:p>
             <a:fld id="{740880F7-4072-4663-8561-4E3674FB0505}" type="datetimeFigureOut">
               <a:rPr lang="en-US" smtClean="0"/>
-              <a:t>12/13/2021</a:t>
+              <a:t>12/23/2021</a:t>
             </a:fld>
             <a:endParaRPr lang="en-US"/>
           </a:p>
@@ -2663,7 +2668,7 @@
           <a:p>
             <a:fld id="{740880F7-4072-4663-8561-4E3674FB0505}" type="datetimeFigureOut">
               <a:rPr lang="en-US" smtClean="0"/>
-              <a:t>12/13/2021</a:t>
+              <a:t>12/23/2021</a:t>
             </a:fld>
             <a:endParaRPr lang="en-US"/>
           </a:p>
@@ -2904,7 +2909,7 @@
           <a:p>
             <a:fld id="{740880F7-4072-4663-8561-4E3674FB0505}" type="datetimeFigureOut">
               <a:rPr lang="en-US" smtClean="0"/>
-              <a:t>12/13/2021</a:t>
+              <a:t>12/23/2021</a:t>
             </a:fld>
             <a:endParaRPr lang="en-US"/>
           </a:p>
@@ -4577,6 +4582,162 @@
           </a:prstGeom>
         </p:spPr>
       </p:pic>
+      <p:pic>
+        <p:nvPicPr>
+          <p:cNvPr id="3" name="Graphic 2" descr="Pencil with solid fill">
+            <a:extLst>
+              <a:ext uri="{FF2B5EF4-FFF2-40B4-BE49-F238E27FC236}">
+                <a16:creationId xmlns:a16="http://schemas.microsoft.com/office/drawing/2014/main" id="{CC5D5523-D40A-4290-A451-38E4E58DE52F}"/>
+              </a:ext>
+            </a:extLst>
+          </p:cNvPr>
+          <p:cNvPicPr>
+            <a:picLocks noChangeAspect="1"/>
+          </p:cNvPicPr>
+          <p:nvPr/>
+        </p:nvPicPr>
+        <p:blipFill>
+          <a:blip r:embed="rId14">
+            <a:extLst>
+              <a:ext uri="{28A0092B-C50C-407E-A947-70E740481C1C}">
+                <a14:useLocalDpi xmlns:a14="http://schemas.microsoft.com/office/drawing/2010/main" val="0"/>
+              </a:ext>
+              <a:ext uri="{96DAC541-7B7A-43D3-8B79-37D633B846F1}">
+                <asvg:svgBlip xmlns:asvg="http://schemas.microsoft.com/office/drawing/2016/SVG/main" r:embed="rId15"/>
+              </a:ext>
+            </a:extLst>
+          </a:blip>
+          <a:stretch>
+            <a:fillRect/>
+          </a:stretch>
+        </p:blipFill>
+        <p:spPr>
+          <a:xfrm>
+            <a:off x="4723926" y="4529476"/>
+            <a:ext cx="636846" cy="636846"/>
+          </a:xfrm>
+          <a:prstGeom prst="rect">
+            <a:avLst/>
+          </a:prstGeom>
+        </p:spPr>
+      </p:pic>
+      <p:pic>
+        <p:nvPicPr>
+          <p:cNvPr id="6" name="Graphic 5" descr="Close with solid fill">
+            <a:extLst>
+              <a:ext uri="{FF2B5EF4-FFF2-40B4-BE49-F238E27FC236}">
+                <a16:creationId xmlns:a16="http://schemas.microsoft.com/office/drawing/2014/main" id="{82FC5605-3E9E-4CFC-9E80-DCBFA5A64E0F}"/>
+              </a:ext>
+            </a:extLst>
+          </p:cNvPr>
+          <p:cNvPicPr>
+            <a:picLocks noChangeAspect="1"/>
+          </p:cNvPicPr>
+          <p:nvPr/>
+        </p:nvPicPr>
+        <p:blipFill>
+          <a:blip r:embed="rId8">
+            <a:extLst>
+              <a:ext uri="{28A0092B-C50C-407E-A947-70E740481C1C}">
+                <a14:useLocalDpi xmlns:a14="http://schemas.microsoft.com/office/drawing/2010/main" val="0"/>
+              </a:ext>
+              <a:ext uri="{96DAC541-7B7A-43D3-8B79-37D633B846F1}">
+                <asvg:svgBlip xmlns:asvg="http://schemas.microsoft.com/office/drawing/2016/SVG/main" r:embed="rId9"/>
+              </a:ext>
+            </a:extLst>
+          </a:blip>
+          <a:stretch>
+            <a:fillRect/>
+          </a:stretch>
+        </p:blipFill>
+        <p:spPr>
+          <a:xfrm>
+            <a:off x="5549152" y="4430973"/>
+            <a:ext cx="636846" cy="636846"/>
+          </a:xfrm>
+          <a:prstGeom prst="rect">
+            <a:avLst/>
+          </a:prstGeom>
+        </p:spPr>
+      </p:pic>
+      <p:pic>
+        <p:nvPicPr>
+          <p:cNvPr id="11" name="Graphic 10" descr="Disk with solid fill">
+            <a:extLst>
+              <a:ext uri="{FF2B5EF4-FFF2-40B4-BE49-F238E27FC236}">
+                <a16:creationId xmlns:a16="http://schemas.microsoft.com/office/drawing/2014/main" id="{62B9B4AA-CBC9-443C-A0B4-F7E31BB7F79F}"/>
+              </a:ext>
+            </a:extLst>
+          </p:cNvPr>
+          <p:cNvPicPr>
+            <a:picLocks noChangeAspect="1"/>
+          </p:cNvPicPr>
+          <p:nvPr/>
+        </p:nvPicPr>
+        <p:blipFill>
+          <a:blip r:embed="rId16">
+            <a:extLst>
+              <a:ext uri="{28A0092B-C50C-407E-A947-70E740481C1C}">
+                <a14:useLocalDpi xmlns:a14="http://schemas.microsoft.com/office/drawing/2010/main" val="0"/>
+              </a:ext>
+              <a:ext uri="{96DAC541-7B7A-43D3-8B79-37D633B846F1}">
+                <asvg:svgBlip xmlns:asvg="http://schemas.microsoft.com/office/drawing/2016/SVG/main" r:embed="rId17"/>
+              </a:ext>
+            </a:extLst>
+          </a:blip>
+          <a:stretch>
+            <a:fillRect/>
+          </a:stretch>
+        </p:blipFill>
+        <p:spPr>
+          <a:xfrm>
+            <a:off x="6203101" y="4282752"/>
+            <a:ext cx="914400" cy="914400"/>
+          </a:xfrm>
+          <a:prstGeom prst="rect">
+            <a:avLst/>
+          </a:prstGeom>
+        </p:spPr>
+      </p:pic>
+      <p:pic>
+        <p:nvPicPr>
+          <p:cNvPr id="20" name="Graphic 19" descr="Eraser with solid fill">
+            <a:extLst>
+              <a:ext uri="{FF2B5EF4-FFF2-40B4-BE49-F238E27FC236}">
+                <a16:creationId xmlns:a16="http://schemas.microsoft.com/office/drawing/2014/main" id="{3B4C1A58-C9FA-4214-A836-D8492C35BECE}"/>
+              </a:ext>
+            </a:extLst>
+          </p:cNvPr>
+          <p:cNvPicPr>
+            <a:picLocks noChangeAspect="1"/>
+          </p:cNvPicPr>
+          <p:nvPr/>
+        </p:nvPicPr>
+        <p:blipFill>
+          <a:blip r:embed="rId18">
+            <a:extLst>
+              <a:ext uri="{28A0092B-C50C-407E-A947-70E740481C1C}">
+                <a14:useLocalDpi xmlns:a14="http://schemas.microsoft.com/office/drawing/2010/main" val="0"/>
+              </a:ext>
+              <a:ext uri="{96DAC541-7B7A-43D3-8B79-37D633B846F1}">
+                <asvg:svgBlip xmlns:asvg="http://schemas.microsoft.com/office/drawing/2016/SVG/main" r:embed="rId19"/>
+              </a:ext>
+            </a:extLst>
+          </a:blip>
+          <a:stretch>
+            <a:fillRect/>
+          </a:stretch>
+        </p:blipFill>
+        <p:spPr>
+          <a:xfrm>
+            <a:off x="7087196" y="4292196"/>
+            <a:ext cx="914400" cy="914400"/>
+          </a:xfrm>
+          <a:prstGeom prst="rect">
+            <a:avLst/>
+          </a:prstGeom>
+        </p:spPr>
+      </p:pic>
     </p:spTree>
     <p:extLst>
       <p:ext uri="{BB962C8B-B14F-4D97-AF65-F5344CB8AC3E}">

--- a/advance/Presentation1.pptx
+++ b/advance/Presentation1.pptx
@@ -259,7 +259,7 @@
           <a:p>
             <a:fld id="{740880F7-4072-4663-8561-4E3674FB0505}" type="datetimeFigureOut">
               <a:rPr lang="en-US" smtClean="0"/>
-              <a:t>12/23/2021</a:t>
+              <a:t>12/24/2021</a:t>
             </a:fld>
             <a:endParaRPr lang="en-US"/>
           </a:p>
@@ -457,7 +457,7 @@
           <a:p>
             <a:fld id="{740880F7-4072-4663-8561-4E3674FB0505}" type="datetimeFigureOut">
               <a:rPr lang="en-US" smtClean="0"/>
-              <a:t>12/23/2021</a:t>
+              <a:t>12/24/2021</a:t>
             </a:fld>
             <a:endParaRPr lang="en-US"/>
           </a:p>
@@ -665,7 +665,7 @@
           <a:p>
             <a:fld id="{740880F7-4072-4663-8561-4E3674FB0505}" type="datetimeFigureOut">
               <a:rPr lang="en-US" smtClean="0"/>
-              <a:t>12/23/2021</a:t>
+              <a:t>12/24/2021</a:t>
             </a:fld>
             <a:endParaRPr lang="en-US"/>
           </a:p>
@@ -863,7 +863,7 @@
           <a:p>
             <a:fld id="{740880F7-4072-4663-8561-4E3674FB0505}" type="datetimeFigureOut">
               <a:rPr lang="en-US" smtClean="0"/>
-              <a:t>12/23/2021</a:t>
+              <a:t>12/24/2021</a:t>
             </a:fld>
             <a:endParaRPr lang="en-US"/>
           </a:p>
@@ -1138,7 +1138,7 @@
           <a:p>
             <a:fld id="{740880F7-4072-4663-8561-4E3674FB0505}" type="datetimeFigureOut">
               <a:rPr lang="en-US" smtClean="0"/>
-              <a:t>12/23/2021</a:t>
+              <a:t>12/24/2021</a:t>
             </a:fld>
             <a:endParaRPr lang="en-US"/>
           </a:p>
@@ -1403,7 +1403,7 @@
           <a:p>
             <a:fld id="{740880F7-4072-4663-8561-4E3674FB0505}" type="datetimeFigureOut">
               <a:rPr lang="en-US" smtClean="0"/>
-              <a:t>12/23/2021</a:t>
+              <a:t>12/24/2021</a:t>
             </a:fld>
             <a:endParaRPr lang="en-US"/>
           </a:p>
@@ -1815,7 +1815,7 @@
           <a:p>
             <a:fld id="{740880F7-4072-4663-8561-4E3674FB0505}" type="datetimeFigureOut">
               <a:rPr lang="en-US" smtClean="0"/>
-              <a:t>12/23/2021</a:t>
+              <a:t>12/24/2021</a:t>
             </a:fld>
             <a:endParaRPr lang="en-US"/>
           </a:p>
@@ -1956,7 +1956,7 @@
           <a:p>
             <a:fld id="{740880F7-4072-4663-8561-4E3674FB0505}" type="datetimeFigureOut">
               <a:rPr lang="en-US" smtClean="0"/>
-              <a:t>12/23/2021</a:t>
+              <a:t>12/24/2021</a:t>
             </a:fld>
             <a:endParaRPr lang="en-US"/>
           </a:p>
@@ -2069,7 +2069,7 @@
           <a:p>
             <a:fld id="{740880F7-4072-4663-8561-4E3674FB0505}" type="datetimeFigureOut">
               <a:rPr lang="en-US" smtClean="0"/>
-              <a:t>12/23/2021</a:t>
+              <a:t>12/24/2021</a:t>
             </a:fld>
             <a:endParaRPr lang="en-US"/>
           </a:p>
@@ -2380,7 +2380,7 @@
           <a:p>
             <a:fld id="{740880F7-4072-4663-8561-4E3674FB0505}" type="datetimeFigureOut">
               <a:rPr lang="en-US" smtClean="0"/>
-              <a:t>12/23/2021</a:t>
+              <a:t>12/24/2021</a:t>
             </a:fld>
             <a:endParaRPr lang="en-US"/>
           </a:p>
@@ -2668,7 +2668,7 @@
           <a:p>
             <a:fld id="{740880F7-4072-4663-8561-4E3674FB0505}" type="datetimeFigureOut">
               <a:rPr lang="en-US" smtClean="0"/>
-              <a:t>12/23/2021</a:t>
+              <a:t>12/24/2021</a:t>
             </a:fld>
             <a:endParaRPr lang="en-US"/>
           </a:p>
@@ -2909,7 +2909,7 @@
           <a:p>
             <a:fld id="{740880F7-4072-4663-8561-4E3674FB0505}" type="datetimeFigureOut">
               <a:rPr lang="en-US" smtClean="0"/>
-              <a:t>12/23/2021</a:t>
+              <a:t>12/24/2021</a:t>
             </a:fld>
             <a:endParaRPr lang="en-US"/>
           </a:p>
@@ -4738,6 +4738,45 @@
           </a:prstGeom>
         </p:spPr>
       </p:pic>
+      <p:pic>
+        <p:nvPicPr>
+          <p:cNvPr id="5" name="Graphic 4" descr="Badge Unfollow with solid fill">
+            <a:extLst>
+              <a:ext uri="{FF2B5EF4-FFF2-40B4-BE49-F238E27FC236}">
+                <a16:creationId xmlns:a16="http://schemas.microsoft.com/office/drawing/2014/main" id="{71F853DD-CFA2-4EF5-BA58-07CAD3E1297C}"/>
+              </a:ext>
+            </a:extLst>
+          </p:cNvPr>
+          <p:cNvPicPr>
+            <a:picLocks noChangeAspect="1"/>
+          </p:cNvPicPr>
+          <p:nvPr/>
+        </p:nvPicPr>
+        <p:blipFill>
+          <a:blip r:embed="rId20">
+            <a:extLst>
+              <a:ext uri="{28A0092B-C50C-407E-A947-70E740481C1C}">
+                <a14:useLocalDpi xmlns:a14="http://schemas.microsoft.com/office/drawing/2010/main" val="0"/>
+              </a:ext>
+              <a:ext uri="{96DAC541-7B7A-43D3-8B79-37D633B846F1}">
+                <asvg:svgBlip xmlns:asvg="http://schemas.microsoft.com/office/drawing/2016/SVG/main" r:embed="rId21"/>
+              </a:ext>
+            </a:extLst>
+          </a:blip>
+          <a:stretch>
+            <a:fillRect/>
+          </a:stretch>
+        </p:blipFill>
+        <p:spPr>
+          <a:xfrm>
+            <a:off x="7936578" y="4342809"/>
+            <a:ext cx="914400" cy="914400"/>
+          </a:xfrm>
+          <a:prstGeom prst="rect">
+            <a:avLst/>
+          </a:prstGeom>
+        </p:spPr>
+      </p:pic>
     </p:spTree>
     <p:extLst>
       <p:ext uri="{BB962C8B-B14F-4D97-AF65-F5344CB8AC3E}">
